--- a/preliminary/Working/presentations/C66 CorePac Overview.pptx
+++ b/preliminary/Working/presentations/C66 CorePac Overview.pptx
@@ -2654,11 +2654,7 @@
             </a:br>
             <a:r>
               <a:rPr lang="en-US" sz="5400" b="0" dirty="0" smtClean="0"/>
-              <a:t>C66x </a:t>
-            </a:r>
-            <a:r>
-              <a:rPr lang="en-US" sz="5400" b="0" dirty="0" smtClean="0"/>
-              <a:t>CorePac Overview</a:t>
+              <a:t>C66x CorePac Overview</a:t>
             </a:r>
             <a:endParaRPr lang="en-US" sz="5400" b="0" dirty="0"/>
           </a:p>
@@ -3185,15 +3181,7 @@
             <a:pPr lvl="1"/>
             <a:r>
               <a:rPr lang="en-US" dirty="0" smtClean="0"/>
-              <a:t>More than 100 new instructions added (compared to </a:t>
-            </a:r>
-            <a:r>
-              <a:rPr lang="en-US" dirty="0" smtClean="0"/>
-              <a:t>C64</a:t>
-            </a:r>
-            <a:r>
-              <a:rPr lang="en-US" dirty="0" smtClean="0"/>
-              <a:t>+)</a:t>
+              <a:t>More than 100 new instructions added (compared to C64+)</a:t>
             </a:r>
           </a:p>
           <a:p>
@@ -3538,17 +3526,16 @@
           <a:p>
             <a:r>
               <a:rPr lang="en-US" sz="4000" dirty="0" smtClean="0"/>
-              <a:t>C66x </a:t>
+              <a:t>C66x CorePac </a:t>
             </a:r>
             <a:r>
               <a:rPr lang="en-US" sz="4000" dirty="0" smtClean="0"/>
-              <a:t>CorePac </a:t>
+              <a:t>Features: </a:t>
             </a:r>
             <a:r>
               <a:rPr lang="en-US" sz="4000" dirty="0" smtClean="0"/>
-              <a:t>Overview: SIMD</a:t>
+              <a:t>SIMD</a:t>
             </a:r>
-            <a:endParaRPr lang="en-US" sz="4000" dirty="0" smtClean="0"/>
           </a:p>
         </p:txBody>
       </p:sp>
@@ -3576,22 +3563,17 @@
           <a:p>
             <a:r>
               <a:rPr lang="en-US" dirty="0" smtClean="0"/>
-              <a:t>C66x </a:t>
+              <a:t>C66x CorePac in KeyStone</a:t>
             </a:r>
-            <a:r>
-              <a:rPr lang="en-US" dirty="0" smtClean="0"/>
-              <a:t>CorePac in </a:t>
-            </a:r>
-            <a:r>
-              <a:rPr lang="en-US" dirty="0" smtClean="0"/>
-              <a:t>KeyStone</a:t>
-            </a:r>
-            <a:endParaRPr lang="en-US" dirty="0" smtClean="0"/>
           </a:p>
           <a:p>
             <a:r>
               <a:rPr lang="en-US" b="1" dirty="0" smtClean="0"/>
-              <a:t>C66x CorePac Overview</a:t>
+              <a:t>C66x CorePac </a:t>
+            </a:r>
+            <a:r>
+              <a:rPr lang="en-US" b="1" dirty="0" smtClean="0"/>
+              <a:t>Features</a:t>
             </a:r>
             <a:endParaRPr lang="en-US" b="1" dirty="0" smtClean="0"/>
           </a:p>
@@ -3604,19 +3586,7 @@
             </a:pPr>
             <a:r>
               <a:rPr lang="en-US" dirty="0" smtClean="0"/>
-              <a:t>DSP </a:t>
-            </a:r>
-            <a:r>
-              <a:rPr lang="en-US" dirty="0" smtClean="0"/>
-              <a:t>C</a:t>
-            </a:r>
-            <a:r>
-              <a:rPr lang="en-US" dirty="0" smtClean="0"/>
-              <a:t>ore </a:t>
-            </a:r>
-            <a:r>
-              <a:rPr lang="en-US" dirty="0" smtClean="0"/>
-              <a:t>Architecture</a:t>
+              <a:t>DSP Core Architecture</a:t>
             </a:r>
           </a:p>
           <a:p>
@@ -4551,36 +4521,19 @@
           <a:p>
             <a:r>
               <a:rPr lang="en-US" dirty="0" smtClean="0"/>
-              <a:t>C66x </a:t>
-            </a:r>
-            <a:r>
-              <a:rPr lang="en-US" dirty="0" smtClean="0"/>
-              <a:t>CorePac in </a:t>
-            </a:r>
-            <a:r>
-              <a:rPr lang="en-US" dirty="0" smtClean="0"/>
-              <a:t>KeyStone</a:t>
-            </a:r>
-            <a:endParaRPr lang="en-US" dirty="0" smtClean="0"/>
-          </a:p>
-          <a:p>
-            <a:r>
-              <a:rPr lang="en-US" dirty="0" smtClean="0"/>
-              <a:t>C66x </a:t>
-            </a:r>
-            <a:r>
-              <a:rPr lang="en-US" dirty="0" smtClean="0"/>
-              <a:t>CorePac Features</a:t>
+              <a:t>C66x CorePac in KeyStone</a:t>
             </a:r>
           </a:p>
           <a:p>
             <a:r>
               <a:rPr lang="en-US" dirty="0" smtClean="0"/>
-              <a:t>Interface </a:t>
+              <a:t>C66x CorePac Features</a:t>
             </a:r>
+          </a:p>
+          <a:p>
             <a:r>
               <a:rPr lang="en-US" dirty="0" smtClean="0"/>
-              <a:t>to the SOC</a:t>
+              <a:t>Interface to the SOC</a:t>
             </a:r>
           </a:p>
           <a:p>
@@ -4659,13 +4612,8 @@
           <a:p>
             <a:r>
               <a:rPr lang="en-US" sz="4000" dirty="0" smtClean="0"/>
-              <a:t>C66x CorePac </a:t>
+              <a:t>C66x CorePac Features: Memory Access</a:t>
             </a:r>
-            <a:r>
-              <a:rPr lang="en-US" sz="4000" dirty="0" smtClean="0"/>
-              <a:t>Features: Memory Access</a:t>
-            </a:r>
-            <a:endParaRPr lang="en-US" sz="4000" dirty="0" smtClean="0"/>
           </a:p>
         </p:txBody>
       </p:sp>
@@ -4693,26 +4641,13 @@
           <a:p>
             <a:r>
               <a:rPr lang="en-US" dirty="0" smtClean="0"/>
-              <a:t>C66x </a:t>
+              <a:t>C66x CorePac in KeyStone</a:t>
             </a:r>
-            <a:r>
-              <a:rPr lang="en-US" dirty="0" smtClean="0"/>
-              <a:t>CorePac in </a:t>
-            </a:r>
-            <a:r>
-              <a:rPr lang="en-US" dirty="0" smtClean="0"/>
-              <a:t>KeyStone</a:t>
-            </a:r>
-            <a:endParaRPr lang="en-US" dirty="0" smtClean="0"/>
           </a:p>
           <a:p>
             <a:r>
               <a:rPr lang="en-US" b="1" dirty="0" smtClean="0"/>
-              <a:t>C66x </a:t>
-            </a:r>
-            <a:r>
-              <a:rPr lang="en-US" b="1" dirty="0" smtClean="0"/>
-              <a:t>CorePac Features</a:t>
+              <a:t>C66x CorePac Features</a:t>
             </a:r>
           </a:p>
           <a:p>
@@ -4724,15 +4659,7 @@
             </a:pPr>
             <a:r>
               <a:rPr lang="en-US" dirty="0" smtClean="0"/>
-              <a:t>DSP </a:t>
-            </a:r>
-            <a:r>
-              <a:rPr lang="en-US" dirty="0" smtClean="0"/>
-              <a:t>Core </a:t>
-            </a:r>
-            <a:r>
-              <a:rPr lang="en-US" dirty="0" smtClean="0"/>
-              <a:t>Architecture</a:t>
+              <a:t>DSP Core Architecture</a:t>
             </a:r>
           </a:p>
           <a:p>
@@ -6940,11 +6867,7 @@
                     <a:p>
                       <a:r>
                         <a:rPr lang="en-US" dirty="0" smtClean="0"/>
-                        <a:t>32K </a:t>
-                      </a:r>
-                      <a:r>
-                        <a:rPr lang="en-US" dirty="0" smtClean="0"/>
-                        <a:t>bytes</a:t>
+                        <a:t>32K bytes</a:t>
                       </a:r>
                       <a:endParaRPr lang="en-US" dirty="0"/>
                     </a:p>
@@ -7030,11 +6953,7 @@
                     <a:p>
                       <a:r>
                         <a:rPr lang="en-US" dirty="0" smtClean="0"/>
-                        <a:t>32K </a:t>
-                      </a:r>
-                      <a:r>
-                        <a:rPr lang="en-US" dirty="0" smtClean="0"/>
-                        <a:t>bytes</a:t>
+                        <a:t>32K bytes</a:t>
                       </a:r>
                       <a:endParaRPr lang="en-US" dirty="0"/>
                     </a:p>
@@ -7120,11 +7039,7 @@
                     <a:p>
                       <a:r>
                         <a:rPr lang="en-US" dirty="0" smtClean="0"/>
-                        <a:t>512K </a:t>
-                      </a:r>
-                      <a:r>
-                        <a:rPr lang="en-US" dirty="0" smtClean="0"/>
-                        <a:t>bytes</a:t>
+                        <a:t>512K bytes</a:t>
                       </a:r>
                       <a:endParaRPr lang="en-US" dirty="0"/>
                     </a:p>
@@ -7174,11 +7089,7 @@
                       </a:r>
                       <a:r>
                         <a:rPr lang="en-US" baseline="0" dirty="0" smtClean="0"/>
-                        <a:t> must maintain coherency with external </a:t>
-                      </a:r>
-                      <a:r>
-                        <a:rPr lang="en-US" baseline="0" dirty="0" smtClean="0"/>
-                        <a:t>world:</a:t>
+                        <a:t> must maintain coherency with external world:</a:t>
                       </a:r>
                     </a:p>
                     <a:p>
@@ -7208,11 +7119,7 @@
                       </a:pPr>
                       <a:r>
                         <a:rPr lang="en-US" sz="1200" baseline="0" dirty="0" smtClean="0"/>
-                        <a:t> write-back </a:t>
-                      </a:r>
-                      <a:r>
-                        <a:rPr lang="en-US" sz="1200" baseline="0" dirty="0" smtClean="0"/>
-                        <a:t>invalidate </a:t>
+                        <a:t> write-back invalidate </a:t>
                       </a:r>
                       <a:endParaRPr lang="en-US" sz="1200" dirty="0"/>
                     </a:p>
@@ -7372,86 +7279,35 @@
             <a:pPr lvl="2" eaLnBrk="1" hangingPunct="1"/>
             <a:r>
               <a:rPr lang="en-US" sz="1600" dirty="0" smtClean="0"/>
-              <a:t>8 data registers, 128 bytes </a:t>
-            </a:r>
-            <a:r>
-              <a:rPr lang="en-US" sz="1600" dirty="0" smtClean="0"/>
-              <a:t>each</a:t>
+              <a:t>8 data registers, 128 bytes each</a:t>
             </a:r>
             <a:br>
               <a:rPr lang="en-US" sz="1600" dirty="0" smtClean="0"/>
             </a:br>
             <a:r>
               <a:rPr lang="en-US" sz="1600" dirty="0" smtClean="0"/>
-              <a:t>NOTE: Can </a:t>
+              <a:t>NOTE: Can be controlled as 2 by 64 if request comes from L1</a:t>
             </a:r>
-            <a:r>
-              <a:rPr lang="en-US" sz="1600" dirty="0" smtClean="0"/>
-              <a:t>be </a:t>
-            </a:r>
-            <a:r>
-              <a:rPr lang="en-US" sz="1600" dirty="0" smtClean="0"/>
-              <a:t>controlled as </a:t>
-            </a:r>
-            <a:r>
-              <a:rPr lang="en-US" sz="1600" dirty="0" smtClean="0"/>
-              <a:t>2 by 64 if request comes from </a:t>
-            </a:r>
-            <a:r>
-              <a:rPr lang="en-US" sz="1600" dirty="0" smtClean="0"/>
-              <a:t>L1</a:t>
-            </a:r>
-            <a:endParaRPr lang="en-US" sz="1600" dirty="0" smtClean="0"/>
           </a:p>
           <a:p>
             <a:pPr lvl="2" eaLnBrk="1" hangingPunct="1"/>
             <a:r>
               <a:rPr lang="en-US" sz="1600" dirty="0" smtClean="0"/>
-              <a:t>4 program </a:t>
+              <a:t>4 program registers, 128 bytes each</a:t>
             </a:r>
-            <a:r>
-              <a:rPr lang="en-US" sz="1600" dirty="0" smtClean="0"/>
-              <a:t>registers, </a:t>
-            </a:r>
-            <a:r>
-              <a:rPr lang="en-US" sz="1600" dirty="0" smtClean="0"/>
-              <a:t>128 </a:t>
-            </a:r>
-            <a:r>
-              <a:rPr lang="en-US" sz="1600" dirty="0" smtClean="0"/>
-              <a:t>bytes each</a:t>
-            </a:r>
-            <a:endParaRPr lang="en-US" sz="1600" dirty="0" smtClean="0"/>
           </a:p>
           <a:p>
             <a:pPr lvl="2" eaLnBrk="1" hangingPunct="1"/>
             <a:r>
               <a:rPr lang="en-US" sz="1600" dirty="0" smtClean="0"/>
-              <a:t>No </a:t>
+              <a:t>No hardware coherency</a:t>
             </a:r>
-            <a:r>
-              <a:rPr lang="en-US" sz="1600" dirty="0" smtClean="0"/>
-              <a:t>h</a:t>
-            </a:r>
-            <a:r>
-              <a:rPr lang="en-US" sz="1600" dirty="0" smtClean="0"/>
-              <a:t>ardware coherency</a:t>
-            </a:r>
-            <a:endParaRPr lang="en-US" sz="1600" dirty="0" smtClean="0"/>
           </a:p>
           <a:p>
             <a:pPr eaLnBrk="1" hangingPunct="1"/>
             <a:r>
               <a:rPr lang="en-US" sz="2400" dirty="0" smtClean="0"/>
-              <a:t>Bandwidth </a:t>
-            </a:r>
-            <a:r>
-              <a:rPr lang="en-US" sz="2400" dirty="0" smtClean="0"/>
-              <a:t>management through configurable priority </a:t>
-            </a:r>
-            <a:r>
-              <a:rPr lang="en-US" sz="2400" dirty="0" smtClean="0"/>
-              <a:t>scheme between DSP, IDMA, CFG, and the slave port</a:t>
+              <a:t>Bandwidth management through configurable priority scheme between DSP, IDMA, CFG, and the slave port</a:t>
             </a:r>
           </a:p>
         </p:txBody>
@@ -7632,13 +7488,8 @@
           <a:p>
             <a:r>
               <a:rPr lang="en-US" sz="4000" dirty="0" smtClean="0"/>
-              <a:t>C66x CorePac </a:t>
+              <a:t>C66x CorePac Features: Pipeline Support</a:t>
             </a:r>
-            <a:r>
-              <a:rPr lang="en-US" sz="4000" dirty="0" smtClean="0"/>
-              <a:t>Features: Pipeline Support</a:t>
-            </a:r>
-            <a:endParaRPr lang="en-US" sz="4000" dirty="0" smtClean="0"/>
           </a:p>
         </p:txBody>
       </p:sp>
@@ -7666,26 +7517,13 @@
           <a:p>
             <a:r>
               <a:rPr lang="en-US" dirty="0" smtClean="0"/>
-              <a:t>C66x </a:t>
+              <a:t>C66x CorePac in KeyStone</a:t>
             </a:r>
-            <a:r>
-              <a:rPr lang="en-US" dirty="0" smtClean="0"/>
-              <a:t>CorePac in </a:t>
-            </a:r>
-            <a:r>
-              <a:rPr lang="en-US" dirty="0" smtClean="0"/>
-              <a:t>KeyStone</a:t>
-            </a:r>
-            <a:endParaRPr lang="en-US" dirty="0" smtClean="0"/>
           </a:p>
           <a:p>
             <a:r>
               <a:rPr lang="en-US" b="1" dirty="0" smtClean="0"/>
-              <a:t>C66x </a:t>
-            </a:r>
-            <a:r>
-              <a:rPr lang="en-US" b="1" dirty="0" smtClean="0"/>
-              <a:t>CorePac Features</a:t>
+              <a:t>C66x CorePac Features</a:t>
             </a:r>
           </a:p>
           <a:p>
@@ -7697,15 +7535,7 @@
             </a:pPr>
             <a:r>
               <a:rPr lang="en-US" dirty="0" smtClean="0"/>
-              <a:t>DSP </a:t>
-            </a:r>
-            <a:r>
-              <a:rPr lang="en-US" dirty="0" smtClean="0"/>
-              <a:t>Core </a:t>
-            </a:r>
-            <a:r>
-              <a:rPr lang="en-US" dirty="0" smtClean="0"/>
-              <a:t>Architecture</a:t>
+              <a:t>DSP Core Architecture</a:t>
             </a:r>
           </a:p>
           <a:p>
@@ -7820,13 +7650,8 @@
             <a:pPr eaLnBrk="1" hangingPunct="1"/>
             <a:r>
               <a:rPr lang="en-US" dirty="0" smtClean="0"/>
-              <a:t>Pipeline </a:t>
+              <a:t>Pipeline Features</a:t>
             </a:r>
-            <a:r>
-              <a:rPr lang="en-US" dirty="0" smtClean="0"/>
-              <a:t>Features</a:t>
-            </a:r>
-            <a:endParaRPr lang="en-US" dirty="0" smtClean="0"/>
           </a:p>
         </p:txBody>
       </p:sp>
@@ -7860,16 +7685,7 @@
                 </a:solidFill>
                 <a:latin typeface="+mj-lt"/>
               </a:rPr>
-              <a:t>Hardware </a:t>
-            </a:r>
-            <a:r>
-              <a:rPr lang="en-US" sz="2400" dirty="0" smtClean="0">
-                <a:solidFill>
-                  <a:schemeClr val="tx1"/>
-                </a:solidFill>
-                <a:latin typeface="+mj-lt"/>
-              </a:rPr>
-              <a:t>pipeline:</a:t>
+              <a:t>Hardware pipeline:</a:t>
             </a:r>
           </a:p>
           <a:p>
@@ -7886,25 +7702,7 @@
                 </a:solidFill>
                 <a:latin typeface="+mj-lt"/>
               </a:rPr>
-              <a:t>4 </a:t>
-            </a:r>
-            <a:r>
-              <a:rPr lang="en-US" sz="2000" dirty="0" smtClean="0">
-                <a:solidFill>
-                  <a:schemeClr val="tx1"/>
-                </a:solidFill>
-                <a:latin typeface="+mj-lt"/>
-              </a:rPr>
-              <a:t>fetch </a:t>
-            </a:r>
-            <a:r>
-              <a:rPr lang="en-US" sz="2000" dirty="0" smtClean="0">
-                <a:solidFill>
-                  <a:schemeClr val="tx1"/>
-                </a:solidFill>
-                <a:latin typeface="+mj-lt"/>
-              </a:rPr>
-              <a:t>phases</a:t>
+              <a:t>4 fetch phases</a:t>
             </a:r>
           </a:p>
           <a:p>
@@ -7921,25 +7719,7 @@
                 </a:solidFill>
                 <a:latin typeface="+mj-lt"/>
               </a:rPr>
-              <a:t>2 </a:t>
-            </a:r>
-            <a:r>
-              <a:rPr lang="en-US" sz="2000" dirty="0" smtClean="0">
-                <a:solidFill>
-                  <a:schemeClr val="tx1"/>
-                </a:solidFill>
-                <a:latin typeface="+mj-lt"/>
-              </a:rPr>
-              <a:t>decode </a:t>
-            </a:r>
-            <a:r>
-              <a:rPr lang="en-US" sz="2000" dirty="0" smtClean="0">
-                <a:solidFill>
-                  <a:schemeClr val="tx1"/>
-                </a:solidFill>
-                <a:latin typeface="+mj-lt"/>
-              </a:rPr>
-              <a:t>phases</a:t>
+              <a:t>2 decode phases</a:t>
             </a:r>
           </a:p>
           <a:p>
@@ -7956,16 +7736,7 @@
                 </a:solidFill>
                 <a:latin typeface="+mj-lt"/>
               </a:rPr>
-              <a:t>1 </a:t>
-            </a:r>
-            <a:r>
-              <a:rPr lang="en-US" sz="2000" dirty="0" smtClean="0">
-                <a:solidFill>
-                  <a:schemeClr val="tx1"/>
-                </a:solidFill>
-                <a:latin typeface="+mj-lt"/>
-              </a:rPr>
-              <a:t>to 6 execution phases</a:t>
+              <a:t>1 to 6 execution phases</a:t>
             </a:r>
           </a:p>
           <a:p>
@@ -7996,23 +7767,8 @@
                 </a:solidFill>
                 <a:latin typeface="+mj-lt"/>
               </a:rPr>
-              <a:t>SPLOOP supports software </a:t>
+              <a:t>SPLOOP supports software pipeline:</a:t>
             </a:r>
-            <a:r>
-              <a:rPr lang="en-US" sz="2400" dirty="0" smtClean="0">
-                <a:solidFill>
-                  <a:schemeClr val="tx1"/>
-                </a:solidFill>
-                <a:latin typeface="+mj-lt"/>
-              </a:rPr>
-              <a:t>pipeline:</a:t>
-            </a:r>
-            <a:endParaRPr lang="en-US" sz="2400" dirty="0" smtClean="0">
-              <a:solidFill>
-                <a:schemeClr val="tx1"/>
-              </a:solidFill>
-              <a:latin typeface="+mj-lt"/>
-            </a:endParaRPr>
           </a:p>
           <a:p>
             <a:pPr marL="811213" lvl="1" indent="-514350" eaLnBrk="1" fontAlgn="auto" hangingPunct="1">
@@ -8025,13 +7781,7 @@
               <a:rPr lang="en-US" sz="2000" dirty="0" smtClean="0">
                 <a:latin typeface="+mj-lt"/>
               </a:rPr>
-              <a:t>Decreases </a:t>
-            </a:r>
-            <a:r>
-              <a:rPr lang="en-US" sz="2000" dirty="0" smtClean="0">
-                <a:latin typeface="+mj-lt"/>
-              </a:rPr>
-              <a:t>code size</a:t>
+              <a:t>Decreases code size</a:t>
             </a:r>
           </a:p>
           <a:p>
@@ -8048,16 +7798,7 @@
                 </a:solidFill>
                 <a:latin typeface="+mj-lt"/>
               </a:rPr>
-              <a:t>Reduces </a:t>
-            </a:r>
-            <a:r>
-              <a:rPr lang="en-US" sz="2000" dirty="0" smtClean="0">
-                <a:solidFill>
-                  <a:schemeClr val="tx1"/>
-                </a:solidFill>
-                <a:latin typeface="+mj-lt"/>
-              </a:rPr>
-              <a:t>power consumption</a:t>
+              <a:t>Reduces power consumption</a:t>
             </a:r>
           </a:p>
           <a:p>
@@ -8071,13 +7812,7 @@
               <a:rPr lang="en-US" sz="2000" dirty="0" smtClean="0">
                 <a:latin typeface="+mj-lt"/>
               </a:rPr>
-              <a:t>Enables </a:t>
-            </a:r>
-            <a:r>
-              <a:rPr lang="en-US" sz="2000" dirty="0" smtClean="0">
-                <a:latin typeface="+mj-lt"/>
-              </a:rPr>
-              <a:t>interrupts during long loops</a:t>
+              <a:t>Enables interrupts during long loops</a:t>
             </a:r>
             <a:endParaRPr lang="en-US" sz="2000" dirty="0" smtClean="0">
               <a:solidFill>
@@ -8171,32 +7906,13 @@
           <a:p>
             <a:r>
               <a:rPr lang="en-US" dirty="0" smtClean="0"/>
-              <a:t>C66x </a:t>
+              <a:t>C66x CorePac in KeyStone</a:t>
             </a:r>
-            <a:r>
-              <a:rPr lang="en-US" dirty="0" smtClean="0"/>
-              <a:t>CorePac in </a:t>
-            </a:r>
-            <a:r>
-              <a:rPr lang="en-US" dirty="0" smtClean="0"/>
-              <a:t>KeyStone</a:t>
-            </a:r>
-            <a:endParaRPr lang="en-US" dirty="0" smtClean="0"/>
           </a:p>
           <a:p>
             <a:r>
               <a:rPr lang="en-US" dirty="0" smtClean="0"/>
-              <a:t>C66x </a:t>
-            </a:r>
-            <a:r>
-              <a:rPr lang="en-US" dirty="0" smtClean="0"/>
-              <a:t>CorePac </a:t>
-            </a:r>
-            <a:r>
-              <a:rPr lang="en-US" dirty="0" smtClean="0">
-                <a:noFill/>
-              </a:rPr>
-              <a:t>Features</a:t>
+              <a:t>C66x CorePac Features</a:t>
             </a:r>
           </a:p>
           <a:p>
@@ -8208,15 +7924,7 @@
             </a:pPr>
             <a:r>
               <a:rPr lang="en-US" dirty="0" smtClean="0"/>
-              <a:t>DSP </a:t>
-            </a:r>
-            <a:r>
-              <a:rPr lang="en-US" dirty="0" smtClean="0"/>
-              <a:t>Core </a:t>
-            </a:r>
-            <a:r>
-              <a:rPr lang="en-US" dirty="0" smtClean="0"/>
-              <a:t>Architecture</a:t>
+              <a:t>DSP Core Architecture</a:t>
             </a:r>
           </a:p>
           <a:p>
@@ -8398,24 +8106,7 @@
                 <a:ea typeface="+mj-ea"/>
                 <a:cs typeface="+mj-cs"/>
               </a:rPr>
-              <a:t>C66x </a:t>
-            </a:r>
-            <a:r>
-              <a:rPr kumimoji="0" lang="en-US" sz="4400" b="1" i="0" u="none" strike="noStrike" kern="0" cap="none" spc="0" normalizeH="0" baseline="0" noProof="0" dirty="0" smtClean="0">
-                <a:ln>
-                  <a:noFill/>
-                </a:ln>
-                <a:solidFill>
-                  <a:schemeClr val="tx1"/>
-                </a:solidFill>
-                <a:effectLst/>
-                <a:uLnTx/>
-                <a:uFillTx/>
-                <a:latin typeface="+mj-lt"/>
-                <a:ea typeface="+mj-ea"/>
-                <a:cs typeface="+mj-cs"/>
-              </a:rPr>
-              <a:t>Core Access Summary</a:t>
+              <a:t>C66x Core Access Summary</a:t>
             </a:r>
           </a:p>
         </p:txBody>
@@ -8540,19 +8231,7 @@
               <a:rPr lang="en-US" sz="2000" kern="0" dirty="0" smtClean="0">
                 <a:latin typeface="+mn-lt"/>
               </a:rPr>
-              <a:t> (</a:t>
-            </a:r>
-            <a:r>
-              <a:rPr lang="en-US" sz="2000" kern="0" dirty="0" smtClean="0">
-                <a:latin typeface="+mn-lt"/>
-              </a:rPr>
-              <a:t>switch central </a:t>
-            </a:r>
-            <a:r>
-              <a:rPr lang="en-US" sz="2000" kern="0" dirty="0" smtClean="0">
-                <a:latin typeface="+mn-lt"/>
-              </a:rPr>
-              <a:t>fabric)</a:t>
+              <a:t> (switch central fabric)</a:t>
             </a:r>
             <a:endParaRPr kumimoji="0" lang="en-US" sz="2000" b="0" i="0" u="none" strike="noStrike" kern="0" cap="none" spc="0" normalizeH="0" noProof="0" dirty="0" smtClean="0">
               <a:ln>
@@ -8627,41 +8306,7 @@
                 <a:ea typeface="+mn-ea"/>
                 <a:cs typeface="+mn-cs"/>
               </a:rPr>
-              <a:t>MSMC arbitrates between all cores and Teranet requests, MSM </a:t>
-            </a:r>
-            <a:r>
-              <a:rPr kumimoji="0" lang="en-US" sz="2000" b="0" i="0" u="none" strike="noStrike" kern="0" cap="none" spc="0" normalizeH="0" noProof="0" dirty="0" smtClean="0">
-                <a:ln>
-                  <a:noFill/>
-                </a:ln>
-                <a:solidFill>
-                  <a:schemeClr val="tx1"/>
-                </a:solidFill>
-                <a:effectLst/>
-                <a:uLnTx/>
-                <a:uFillTx/>
-                <a:latin typeface="+mn-lt"/>
-                <a:ea typeface="+mn-ea"/>
-                <a:cs typeface="+mn-cs"/>
-              </a:rPr>
-              <a:t>memory, </a:t>
-            </a:r>
-            <a:r>
-              <a:rPr kumimoji="0" lang="en-US" sz="2000" b="0" i="0" u="none" strike="noStrike" kern="0" cap="none" spc="0" normalizeH="0" noProof="0" dirty="0" smtClean="0">
-                <a:ln>
-                  <a:noFill/>
-                </a:ln>
-                <a:solidFill>
-                  <a:schemeClr val="tx1"/>
-                </a:solidFill>
-                <a:effectLst/>
-                <a:uLnTx/>
-                <a:uFillTx/>
-                <a:latin typeface="+mn-lt"/>
-                <a:ea typeface="+mn-ea"/>
-                <a:cs typeface="+mn-cs"/>
-              </a:rPr>
-              <a:t>and DDR(s)</a:t>
+              <a:t>MSMC arbitrates between all cores and Teranet requests, MSM memory, and DDR(s)</a:t>
             </a:r>
           </a:p>
           <a:p>
@@ -8677,13 +8322,7 @@
               <a:rPr lang="en-US" sz="2000" kern="0" dirty="0" smtClean="0">
                 <a:latin typeface="+mn-lt"/>
               </a:rPr>
-              <a:t>MSM </a:t>
-            </a:r>
-            <a:r>
-              <a:rPr lang="en-US" sz="2000" kern="0" dirty="0" smtClean="0">
-                <a:latin typeface="+mn-lt"/>
-              </a:rPr>
-              <a:t>memory banks</a:t>
+              <a:t>MSM memory banks</a:t>
             </a:r>
           </a:p>
           <a:p>
@@ -8699,25 +8338,7 @@
               <a:rPr lang="en-US" sz="2000" kern="0" dirty="0" smtClean="0">
                 <a:latin typeface="+mn-lt"/>
               </a:rPr>
-              <a:t>KeyStone I: 4x</a:t>
-            </a:r>
-            <a:r>
-              <a:rPr lang="en-US" sz="2000" kern="0" dirty="0" smtClean="0">
-                <a:latin typeface="+mn-lt"/>
-              </a:rPr>
-              <a:t> </a:t>
-            </a:r>
-            <a:r>
-              <a:rPr lang="en-US" sz="2000" kern="0" dirty="0" smtClean="0">
-                <a:latin typeface="+mn-lt"/>
-              </a:rPr>
-              <a:t>64-bit </a:t>
-            </a:r>
-            <a:r>
-              <a:rPr lang="en-US" sz="2000" kern="0" dirty="0" smtClean="0">
-                <a:latin typeface="+mn-lt"/>
-              </a:rPr>
-              <a:t>banks</a:t>
+              <a:t>KeyStone I: 4x 64-bit banks</a:t>
             </a:r>
           </a:p>
           <a:p>
@@ -8733,13 +8354,7 @@
               <a:rPr lang="en-US" sz="2000" kern="0" dirty="0" smtClean="0">
                 <a:latin typeface="+mn-lt"/>
               </a:rPr>
-              <a:t>KeyStone II: 8x</a:t>
-            </a:r>
-            <a:r>
-              <a:rPr lang="en-US" sz="2000" kern="0" dirty="0" smtClean="0">
-                <a:latin typeface="+mn-lt"/>
-              </a:rPr>
-              <a:t> 64-bit banks</a:t>
+              <a:t>KeyStone II: 8x 64-bit banks</a:t>
             </a:r>
             <a:endParaRPr kumimoji="0" lang="en-US" sz="2000" b="0" i="0" u="none" strike="noStrike" kern="0" cap="none" spc="0" normalizeH="0" noProof="0" dirty="0" smtClean="0">
               <a:ln>
@@ -11356,17 +10971,8 @@
           <a:p>
             <a:r>
               <a:rPr lang="en-US" dirty="0" smtClean="0"/>
-              <a:t>C66x </a:t>
+              <a:t>C66x CorePac in KeyStone</a:t>
             </a:r>
-            <a:r>
-              <a:rPr lang="en-US" dirty="0" smtClean="0"/>
-              <a:t>CorePac in </a:t>
-            </a:r>
-            <a:r>
-              <a:rPr lang="en-US" dirty="0" smtClean="0"/>
-              <a:t>KeyStone</a:t>
-            </a:r>
-            <a:endParaRPr lang="en-US" dirty="0" smtClean="0"/>
           </a:p>
         </p:txBody>
       </p:sp>
@@ -11389,36 +10995,19 @@
           <a:p>
             <a:r>
               <a:rPr lang="en-US" b="1" dirty="0" smtClean="0"/>
-              <a:t>C66x </a:t>
-            </a:r>
-            <a:r>
-              <a:rPr lang="en-US" b="1" dirty="0" smtClean="0"/>
-              <a:t>CorePac in </a:t>
-            </a:r>
-            <a:r>
-              <a:rPr lang="en-US" b="1" dirty="0" smtClean="0"/>
-              <a:t>KeyStone</a:t>
-            </a:r>
-            <a:endParaRPr lang="en-US" b="1" dirty="0" smtClean="0"/>
-          </a:p>
-          <a:p>
-            <a:r>
-              <a:rPr lang="en-US" dirty="0" smtClean="0"/>
-              <a:t>C66x </a:t>
-            </a:r>
-            <a:r>
-              <a:rPr lang="en-US" dirty="0" smtClean="0"/>
-              <a:t>CorePac Features</a:t>
+              <a:t>C66x CorePac in KeyStone</a:t>
             </a:r>
           </a:p>
           <a:p>
             <a:r>
               <a:rPr lang="en-US" dirty="0" smtClean="0"/>
-              <a:t>Interface </a:t>
+              <a:t>C66x CorePac Features</a:t>
             </a:r>
+          </a:p>
+          <a:p>
             <a:r>
               <a:rPr lang="en-US" dirty="0" smtClean="0"/>
-              <a:t>to the SOC</a:t>
+              <a:t>Interface to the SOC</a:t>
             </a:r>
           </a:p>
           <a:p>
@@ -11522,32 +11111,13 @@
           <a:p>
             <a:r>
               <a:rPr lang="en-US" dirty="0" smtClean="0"/>
-              <a:t>C66x </a:t>
+              <a:t>C66x CorePac in KeyStone</a:t>
             </a:r>
-            <a:r>
-              <a:rPr lang="en-US" dirty="0" smtClean="0"/>
-              <a:t>CorePac in </a:t>
-            </a:r>
-            <a:r>
-              <a:rPr lang="en-US" dirty="0" smtClean="0"/>
-              <a:t>KeyStone</a:t>
-            </a:r>
-            <a:endParaRPr lang="en-US" dirty="0" smtClean="0"/>
           </a:p>
           <a:p>
             <a:r>
               <a:rPr lang="en-US" dirty="0" smtClean="0"/>
-              <a:t>C66x </a:t>
-            </a:r>
-            <a:r>
-              <a:rPr lang="en-US" dirty="0" smtClean="0"/>
-              <a:t>CorePac </a:t>
-            </a:r>
-            <a:r>
-              <a:rPr lang="en-US" dirty="0" smtClean="0">
-                <a:noFill/>
-              </a:rPr>
-              <a:t>Features</a:t>
+              <a:t>C66x CorePac Features</a:t>
             </a:r>
           </a:p>
           <a:p>
@@ -11559,15 +11129,7 @@
             </a:pPr>
             <a:r>
               <a:rPr lang="en-US" dirty="0" smtClean="0"/>
-              <a:t>DSP </a:t>
-            </a:r>
-            <a:r>
-              <a:rPr lang="en-US" dirty="0" smtClean="0"/>
-              <a:t>Core </a:t>
-            </a:r>
-            <a:r>
-              <a:rPr lang="en-US" dirty="0" smtClean="0"/>
-              <a:t>Architecture</a:t>
+              <a:t>DSP Core Architecture</a:t>
             </a:r>
           </a:p>
           <a:p>
@@ -12046,19 +11608,7 @@
           <a:p>
             <a:r>
               <a:rPr lang="en-US" dirty="0" smtClean="0"/>
-              <a:t>Event Routing into the </a:t>
-            </a:r>
-            <a:r>
-              <a:rPr lang="en-US" dirty="0" smtClean="0"/>
-              <a:t>C66x </a:t>
-            </a:r>
-            <a:r>
-              <a:rPr lang="en-US" dirty="0" smtClean="0"/>
-              <a:t>C</a:t>
-            </a:r>
-            <a:r>
-              <a:rPr lang="en-US" dirty="0" smtClean="0"/>
-              <a:t>ore</a:t>
+              <a:t>Event Routing into the C66x Core</a:t>
             </a:r>
             <a:endParaRPr lang="en-US" dirty="0"/>
           </a:p>
@@ -12328,32 +11878,13 @@
           <a:p>
             <a:r>
               <a:rPr lang="en-US" dirty="0" smtClean="0"/>
-              <a:t>C66x </a:t>
+              <a:t>C66x CorePac in KeyStone</a:t>
             </a:r>
-            <a:r>
-              <a:rPr lang="en-US" dirty="0" smtClean="0"/>
-              <a:t>CorePac in </a:t>
-            </a:r>
-            <a:r>
-              <a:rPr lang="en-US" dirty="0" smtClean="0"/>
-              <a:t>KeyStone</a:t>
-            </a:r>
-            <a:endParaRPr lang="en-US" dirty="0" smtClean="0"/>
           </a:p>
           <a:p>
             <a:r>
               <a:rPr lang="en-US" dirty="0" smtClean="0"/>
-              <a:t>C66x </a:t>
-            </a:r>
-            <a:r>
-              <a:rPr lang="en-US" dirty="0" smtClean="0"/>
-              <a:t>CorePac </a:t>
-            </a:r>
-            <a:r>
-              <a:rPr lang="en-US" dirty="0" smtClean="0">
-                <a:noFill/>
-              </a:rPr>
-              <a:t>Features</a:t>
+              <a:t>C66x CorePac Features</a:t>
             </a:r>
           </a:p>
           <a:p>
@@ -12365,15 +11896,7 @@
             </a:pPr>
             <a:r>
               <a:rPr lang="en-US" dirty="0" smtClean="0"/>
-              <a:t>DSP </a:t>
-            </a:r>
-            <a:r>
-              <a:rPr lang="en-US" dirty="0" smtClean="0"/>
-              <a:t>Core </a:t>
-            </a:r>
-            <a:r>
-              <a:rPr lang="en-US" dirty="0" smtClean="0"/>
-              <a:t>Architecture</a:t>
+              <a:t>DSP Core Architecture</a:t>
             </a:r>
           </a:p>
           <a:p>
@@ -12487,11 +12010,7 @@
           <a:p>
             <a:r>
               <a:rPr lang="en-US" dirty="0" smtClean="0"/>
-              <a:t>C66x </a:t>
-            </a:r>
-            <a:r>
-              <a:rPr lang="en-US" dirty="0" smtClean="0"/>
-              <a:t>Core Power Down Controller</a:t>
+              <a:t>C66x Core Power Down Controller</a:t>
             </a:r>
             <a:endParaRPr lang="en-US" dirty="0"/>
           </a:p>
@@ -12609,33 +12128,13 @@
                       </a:r>
                       <a:r>
                         <a:rPr lang="en-US" baseline="0" dirty="0" smtClean="0"/>
-                        <a:t> calling the IDLE instruction, </a:t>
-                      </a:r>
-                      <a:r>
-                        <a:rPr lang="en-US" baseline="0" dirty="0" smtClean="0"/>
-                        <a:t>and then </a:t>
-                      </a:r>
-                      <a:r>
-                        <a:rPr lang="en-US" baseline="0" dirty="0" smtClean="0"/>
-                        <a:t>provide a mechanism </a:t>
-                      </a:r>
-                      <a:r>
-                        <a:rPr lang="en-US" baseline="0" dirty="0" smtClean="0"/>
-                        <a:t>(e.g., interrupt</a:t>
-                      </a:r>
-                      <a:r>
-                        <a:rPr lang="en-US" baseline="0" dirty="0" smtClean="0"/>
-                        <a:t>) for waking up </a:t>
+                        <a:t> calling the IDLE instruction, and then provide a mechanism (e.g., interrupt) for waking up </a:t>
                       </a:r>
                     </a:p>
                     <a:p>
                       <a:r>
                         <a:rPr lang="en-US" baseline="0" dirty="0" smtClean="0"/>
-                        <a:t>NOTE: External </a:t>
-                      </a:r>
-                      <a:r>
-                        <a:rPr lang="en-US" baseline="0" dirty="0" smtClean="0"/>
-                        <a:t>DMA transfer wakes up L1D</a:t>
+                        <a:t>NOTE: External DMA transfer wakes up L1D</a:t>
                       </a:r>
                       <a:endParaRPr lang="en-US" dirty="0"/>
                     </a:p>
@@ -12699,23 +12198,7 @@
                       </a:pPr>
                       <a:r>
                         <a:rPr lang="en-US" dirty="0" smtClean="0"/>
-                        <a:t>Dynamic </a:t>
-                      </a:r>
-                      <a:r>
-                        <a:rPr lang="en-US" dirty="0" smtClean="0"/>
-                        <a:t>– retention until </a:t>
-                      </a:r>
-                      <a:r>
-                        <a:rPr lang="en-US" dirty="0" smtClean="0"/>
-                        <a:t>access </a:t>
-                      </a:r>
-                      <a:r>
-                        <a:rPr lang="en-US" dirty="0" smtClean="0"/>
-                        <a:t>algorithm is used </a:t>
-                      </a:r>
-                      <a:r>
-                        <a:rPr lang="en-US" dirty="0" smtClean="0"/>
-                        <a:t>(e.g., low voltage</a:t>
+                        <a:t>Dynamic – retention until access algorithm is used (e.g., low voltage</a:t>
                       </a:r>
                       <a:r>
                         <a:rPr lang="en-US" baseline="0" dirty="0" smtClean="0"/>
@@ -12723,11 +12206,7 @@
                       </a:r>
                       <a:r>
                         <a:rPr lang="en-US" dirty="0" smtClean="0"/>
-                        <a:t>power </a:t>
-                      </a:r>
-                      <a:r>
-                        <a:rPr lang="en-US" dirty="0" smtClean="0"/>
-                        <a:t>until a block of memory is read)</a:t>
+                        <a:t>power until a block of memory is read)</a:t>
                       </a:r>
                     </a:p>
                     <a:p>
@@ -12737,19 +12216,7 @@
                       </a:pPr>
                       <a:r>
                         <a:rPr lang="en-US" dirty="0" smtClean="0"/>
-                        <a:t>Static </a:t>
-                      </a:r>
-                      <a:r>
-                        <a:rPr lang="en-US" dirty="0" smtClean="0"/>
-                        <a:t>– the same as </a:t>
-                      </a:r>
-                      <a:r>
-                        <a:rPr lang="en-US" dirty="0" smtClean="0"/>
-                        <a:t>L1D </a:t>
-                      </a:r>
-                      <a:r>
-                        <a:rPr lang="en-US" dirty="0" smtClean="0"/>
-                        <a:t>(during IDLE)</a:t>
+                        <a:t>Static – the same as L1D (during IDLE)</a:t>
                       </a:r>
                       <a:endParaRPr lang="en-US" dirty="0"/>
                     </a:p>
@@ -12765,11 +12232,7 @@
                     <a:p>
                       <a:r>
                         <a:rPr lang="en-US" dirty="0" smtClean="0"/>
-                        <a:t>DSP </a:t>
-                      </a:r>
-                      <a:r>
-                        <a:rPr lang="en-US" dirty="0" smtClean="0"/>
-                        <a:t>Core</a:t>
+                        <a:t>DSP Core</a:t>
                       </a:r>
                       <a:endParaRPr lang="en-US" dirty="0"/>
                     </a:p>
@@ -12799,15 +12262,7 @@
                     <a:p>
                       <a:r>
                         <a:rPr lang="en-US" dirty="0" smtClean="0"/>
-                        <a:t>Entire </a:t>
-                      </a:r>
-                      <a:r>
-                        <a:rPr lang="en-US" dirty="0" smtClean="0"/>
-                        <a:t>C66x </a:t>
-                      </a:r>
-                      <a:r>
-                        <a:rPr lang="en-US" dirty="0" smtClean="0"/>
-                        <a:t>CorePac</a:t>
+                        <a:t>Entire C66x CorePac</a:t>
                       </a:r>
                       <a:endParaRPr lang="en-US" dirty="0"/>
                     </a:p>
@@ -12913,32 +12368,13 @@
           <a:p>
             <a:r>
               <a:rPr lang="en-US" dirty="0" smtClean="0"/>
-              <a:t>C66x </a:t>
+              <a:t>C66x CorePac in KeyStone</a:t>
             </a:r>
-            <a:r>
-              <a:rPr lang="en-US" dirty="0" smtClean="0"/>
-              <a:t>CorePac in </a:t>
-            </a:r>
-            <a:r>
-              <a:rPr lang="en-US" dirty="0" smtClean="0"/>
-              <a:t>KeyStone</a:t>
-            </a:r>
-            <a:endParaRPr lang="en-US" dirty="0" smtClean="0"/>
           </a:p>
           <a:p>
             <a:r>
               <a:rPr lang="en-US" dirty="0" smtClean="0"/>
-              <a:t>C66x </a:t>
-            </a:r>
-            <a:r>
-              <a:rPr lang="en-US" dirty="0" smtClean="0"/>
-              <a:t>CorePac </a:t>
-            </a:r>
-            <a:r>
-              <a:rPr lang="en-US" dirty="0" smtClean="0">
-                <a:noFill/>
-              </a:rPr>
-              <a:t>Features</a:t>
+              <a:t>C66x CorePac Features</a:t>
             </a:r>
           </a:p>
           <a:p>
@@ -12950,15 +12386,7 @@
             </a:pPr>
             <a:r>
               <a:rPr lang="en-US" dirty="0" smtClean="0"/>
-              <a:t>DSP </a:t>
-            </a:r>
-            <a:r>
-              <a:rPr lang="en-US" dirty="0" smtClean="0"/>
-              <a:t>Core </a:t>
-            </a:r>
-            <a:r>
-              <a:rPr lang="en-US" dirty="0" smtClean="0"/>
-              <a:t>Architecture</a:t>
+              <a:t>DSP Core Architecture</a:t>
             </a:r>
           </a:p>
           <a:p>
@@ -13073,17 +12501,8 @@
             <a:pPr eaLnBrk="1" hangingPunct="1"/>
             <a:r>
               <a:rPr lang="en-US" dirty="0" smtClean="0"/>
-              <a:t>C66x </a:t>
+              <a:t>C66x CorePac Trace Features</a:t>
             </a:r>
-            <a:r>
-              <a:rPr lang="en-US" dirty="0" smtClean="0"/>
-              <a:t>CorePac Trace </a:t>
-            </a:r>
-            <a:r>
-              <a:rPr lang="en-US" dirty="0" smtClean="0"/>
-              <a:t>Features</a:t>
-            </a:r>
-            <a:endParaRPr lang="en-US" dirty="0" smtClean="0"/>
           </a:p>
         </p:txBody>
       </p:sp>
@@ -13188,52 +12607,7 @@
                 </a:solidFill>
                 <a:latin typeface="+mj-lt"/>
               </a:rPr>
-              <a:t> </a:t>
-            </a:r>
-            <a:r>
-              <a:rPr lang="en-US" sz="2400" dirty="0" smtClean="0">
-                <a:solidFill>
-                  <a:schemeClr val="tx1"/>
-                </a:solidFill>
-                <a:latin typeface="+mj-lt"/>
-              </a:rPr>
-              <a:t>– </a:t>
-            </a:r>
-            <a:r>
-              <a:rPr lang="en-US" sz="2400" dirty="0" smtClean="0">
-                <a:solidFill>
-                  <a:schemeClr val="tx1"/>
-                </a:solidFill>
-                <a:latin typeface="+mj-lt"/>
-              </a:rPr>
-              <a:t>Trace Buffer </a:t>
-            </a:r>
-            <a:r>
-              <a:rPr lang="en-US" sz="2400" dirty="0" smtClean="0">
-                <a:solidFill>
-                  <a:schemeClr val="tx1"/>
-                </a:solidFill>
-                <a:latin typeface="+mj-lt"/>
-              </a:rPr>
-              <a:t>(</a:t>
-            </a:r>
-            <a:r>
-              <a:rPr lang="en-US" sz="2400" dirty="0" smtClean="0">
-                <a:solidFill>
-                  <a:schemeClr val="tx1"/>
-                </a:solidFill>
-                <a:latin typeface="+mj-lt"/>
-              </a:rPr>
-              <a:t>4K </a:t>
-            </a:r>
-            <a:r>
-              <a:rPr lang="en-US" sz="2400" dirty="0" smtClean="0">
-                <a:solidFill>
-                  <a:schemeClr val="tx1"/>
-                </a:solidFill>
-                <a:latin typeface="+mj-lt"/>
-              </a:rPr>
-              <a:t>per core)</a:t>
+              <a:t> – Trace Buffer (4K per core)</a:t>
             </a:r>
           </a:p>
           <a:p>
@@ -13247,23 +12621,8 @@
               <a:rPr lang="en-US" sz="2400" dirty="0" smtClean="0">
                 <a:latin typeface="+mj-lt"/>
               </a:rPr>
-              <a:t>AET </a:t>
+              <a:t>AET (Advanced Event Triggering)</a:t>
             </a:r>
-            <a:r>
-              <a:rPr lang="en-US" sz="2400" dirty="0" smtClean="0">
-                <a:latin typeface="+mj-lt"/>
-              </a:rPr>
-              <a:t>(A</a:t>
-            </a:r>
-            <a:r>
-              <a:rPr lang="en-US" sz="2400" dirty="0" smtClean="0">
-                <a:latin typeface="+mj-lt"/>
-              </a:rPr>
-              <a:t>dvanced Event Triggering)</a:t>
-            </a:r>
-            <a:endParaRPr lang="en-US" sz="2400" dirty="0" smtClean="0">
-              <a:latin typeface="+mj-lt"/>
-            </a:endParaRPr>
           </a:p>
           <a:p>
             <a:pPr marL="514350" indent="-514350" algn="l" eaLnBrk="1" fontAlgn="auto" hangingPunct="1">
@@ -35919,13 +35278,7 @@
               <a:rPr lang="en-US" sz="2000" dirty="0" smtClean="0">
                 <a:latin typeface="+mn-lt"/>
               </a:rPr>
-              <a:t>The C66x CorePac </a:t>
-            </a:r>
-            <a:r>
-              <a:rPr lang="en-US" sz="2000" dirty="0" smtClean="0">
-                <a:latin typeface="+mn-lt"/>
-              </a:rPr>
-              <a:t>includes: </a:t>
+              <a:t>The C66x CorePac includes: </a:t>
             </a:r>
           </a:p>
           <a:p>
@@ -36339,17 +35692,8 @@
           <a:p>
             <a:r>
               <a:rPr lang="en-US" sz="4000" dirty="0" smtClean="0"/>
-              <a:t>C66x </a:t>
+              <a:t>C66x CorePac Features: DSP Core</a:t>
             </a:r>
-            <a:r>
-              <a:rPr lang="en-US" sz="4000" dirty="0" smtClean="0"/>
-              <a:t>CorePac </a:t>
-            </a:r>
-            <a:r>
-              <a:rPr lang="en-US" sz="4000" dirty="0" smtClean="0"/>
-              <a:t>Features: DSP Core</a:t>
-            </a:r>
-            <a:endParaRPr lang="en-US" sz="4000" dirty="0" smtClean="0"/>
           </a:p>
         </p:txBody>
       </p:sp>
@@ -36377,26 +35721,13 @@
           <a:p>
             <a:r>
               <a:rPr lang="en-US" dirty="0" smtClean="0"/>
-              <a:t>C66x </a:t>
+              <a:t>C66x CorePac in KeyStone</a:t>
             </a:r>
-            <a:r>
-              <a:rPr lang="en-US" dirty="0" smtClean="0"/>
-              <a:t>CorePac in </a:t>
-            </a:r>
-            <a:r>
-              <a:rPr lang="en-US" dirty="0" smtClean="0"/>
-              <a:t>KeyStone</a:t>
-            </a:r>
-            <a:endParaRPr lang="en-US" dirty="0" smtClean="0"/>
           </a:p>
           <a:p>
             <a:r>
               <a:rPr lang="en-US" b="1" dirty="0" smtClean="0"/>
-              <a:t>C66x </a:t>
-            </a:r>
-            <a:r>
-              <a:rPr lang="en-US" b="1" dirty="0" smtClean="0"/>
-              <a:t>CorePac Features</a:t>
+              <a:t>C66x CorePac Features</a:t>
             </a:r>
           </a:p>
           <a:p>
@@ -36408,15 +35739,7 @@
             </a:pPr>
             <a:r>
               <a:rPr lang="en-US" b="1" dirty="0" smtClean="0"/>
-              <a:t>DSP </a:t>
-            </a:r>
-            <a:r>
-              <a:rPr lang="en-US" b="1" dirty="0" smtClean="0"/>
-              <a:t>Core </a:t>
-            </a:r>
-            <a:r>
-              <a:rPr lang="en-US" b="1" dirty="0" smtClean="0"/>
-              <a:t>Architecture</a:t>
+              <a:t>DSP Core Architecture</a:t>
             </a:r>
           </a:p>
           <a:p>
@@ -36543,11 +35866,7 @@
             </a:pPr>
             <a:r>
               <a:rPr lang="en-US" dirty="0" smtClean="0"/>
-              <a:t>C66x DSP </a:t>
-            </a:r>
-            <a:r>
-              <a:rPr lang="en-US" dirty="0" smtClean="0"/>
-              <a:t>Core</a:t>
+              <a:t>C66x DSP Core</a:t>
             </a:r>
             <a:br>
               <a:rPr lang="en-US" dirty="0" smtClean="0"/>
@@ -36556,7 +35875,6 @@
               <a:rPr lang="en-US" dirty="0" smtClean="0"/>
               <a:t>Architecture</a:t>
             </a:r>
-            <a:endParaRPr lang="en-US" dirty="0" smtClean="0"/>
           </a:p>
         </p:txBody>
       </p:sp>
@@ -38768,7 +38086,6 @@
               <a:rPr lang="en-US" sz="2000" dirty="0" smtClean="0"/>
               <a:t>VLIW (Very Large Instruction Word) architecture:</a:t>
             </a:r>
-            <a:endParaRPr lang="en-US" sz="2000" dirty="0" smtClean="0"/>
           </a:p>
           <a:p>
             <a:pPr lvl="1"/>
@@ -38794,31 +38111,14 @@
           <a:p>
             <a:r>
               <a:rPr lang="en-US" sz="2000" dirty="0" smtClean="0"/>
-              <a:t>Very extensive instruction </a:t>
+              <a:t>Very extensive instruction set:</a:t>
             </a:r>
-            <a:r>
-              <a:rPr lang="en-US" sz="2000" dirty="0" smtClean="0"/>
-              <a:t>set:</a:t>
-            </a:r>
-            <a:endParaRPr lang="en-US" sz="2000" dirty="0" smtClean="0"/>
           </a:p>
           <a:p>
             <a:pPr lvl="1"/>
             <a:r>
               <a:rPr lang="en-US" sz="2000" dirty="0" smtClean="0"/>
-              <a:t>Fixed-point </a:t>
-            </a:r>
-            <a:r>
-              <a:rPr lang="en-US" sz="2000" dirty="0" smtClean="0"/>
-              <a:t>and </a:t>
-            </a:r>
-            <a:r>
-              <a:rPr lang="en-US" sz="2000" dirty="0" smtClean="0"/>
-              <a:t>floating-point </a:t>
-            </a:r>
-            <a:r>
-              <a:rPr lang="en-US" sz="2000" dirty="0" smtClean="0"/>
-              <a:t>instructions</a:t>
+              <a:t>Fixed-point and floating-point instructions</a:t>
             </a:r>
           </a:p>
           <a:p>
@@ -38832,30 +38132,14 @@
             <a:pPr lvl="1"/>
             <a:r>
               <a:rPr lang="en-US" sz="2000" dirty="0" smtClean="0"/>
-              <a:t>Native (</a:t>
-            </a:r>
-            <a:r>
-              <a:rPr lang="en-US" sz="2000" dirty="0" smtClean="0"/>
-              <a:t>32 bit), </a:t>
-            </a:r>
-            <a:r>
-              <a:rPr lang="en-US" sz="2000" dirty="0" smtClean="0"/>
-              <a:t>Compact </a:t>
-            </a:r>
-            <a:r>
-              <a:rPr lang="en-US" sz="2000" dirty="0" smtClean="0"/>
-              <a:t/>
+              <a:t>Native (32 bit), Compact </a:t>
             </a:r>
             <a:br>
               <a:rPr lang="en-US" sz="2000" dirty="0" smtClean="0"/>
             </a:br>
             <a:r>
               <a:rPr lang="en-US" sz="2000" dirty="0" smtClean="0"/>
-              <a:t>(16 bit), </a:t>
-            </a:r>
-            <a:r>
-              <a:rPr lang="en-US" sz="2000" dirty="0" smtClean="0"/>
-              <a:t>and mix instruction modes </a:t>
+              <a:t>(16 bit), and mix instruction modes </a:t>
             </a:r>
             <a:endParaRPr lang="en-US" sz="2800" dirty="0"/>
           </a:p>

--- a/preliminary/Working/presentations/C66 CorePac Overview.pptx
+++ b/preliminary/Working/presentations/C66 CorePac Overview.pptx
@@ -287,7 +287,7 @@
               <a:pPr>
                 <a:defRPr/>
               </a:pPr>
-              <a:t>1/25/2013</a:t>
+              <a:t>2/20/2013</a:t>
             </a:fld>
             <a:endParaRPr lang="en-US" dirty="0"/>
           </a:p>
@@ -1837,7 +1837,7 @@
             <a:fld id="{92581241-622C-4796-B8B9-62EF4BF9D987}" type="datetimeFigureOut">
               <a:rPr lang="en-US" smtClean="0"/>
               <a:pPr/>
-              <a:t>1/25/2013</a:t>
+              <a:t>2/20/2013</a:t>
             </a:fld>
             <a:endParaRPr lang="en-US" dirty="0"/>
           </a:p>
@@ -3526,15 +3526,7 @@
           <a:p>
             <a:r>
               <a:rPr lang="en-US" sz="4000" dirty="0" smtClean="0"/>
-              <a:t>C66x CorePac </a:t>
-            </a:r>
-            <a:r>
-              <a:rPr lang="en-US" sz="4000" dirty="0" smtClean="0"/>
-              <a:t>Features: </a:t>
-            </a:r>
-            <a:r>
-              <a:rPr lang="en-US" sz="4000" dirty="0" smtClean="0"/>
-              <a:t>SIMD</a:t>
+              <a:t>C66x CorePac Features: SIMD</a:t>
             </a:r>
           </a:p>
         </p:txBody>
@@ -3569,13 +3561,8 @@
           <a:p>
             <a:r>
               <a:rPr lang="en-US" b="1" dirty="0" smtClean="0"/>
-              <a:t>C66x CorePac </a:t>
+              <a:t>C66x CorePac Features</a:t>
             </a:r>
-            <a:r>
-              <a:rPr lang="en-US" b="1" dirty="0" smtClean="0"/>
-              <a:t>Features</a:t>
-            </a:r>
-            <a:endParaRPr lang="en-US" b="1" dirty="0" smtClean="0"/>
           </a:p>
           <a:p>
             <a:pPr marL="811213" lvl="1" indent="-514350" eaLnBrk="1" fontAlgn="auto" hangingPunct="1">
@@ -12769,7 +12756,36 @@
           <a:p>
             <a:r>
               <a:rPr lang="en-US" dirty="0" smtClean="0"/>
-              <a:t>For more information, refer to the </a:t>
+              <a:t>For more information, refer to </a:t>
+            </a:r>
+            <a:r>
+              <a:rPr lang="en-US" dirty="0" smtClean="0"/>
+              <a:t>the</a:t>
+            </a:r>
+            <a:br>
+              <a:rPr lang="en-US" dirty="0" smtClean="0"/>
+            </a:br>
+            <a:r>
+              <a:rPr lang="en-US" u="sng" dirty="0" smtClean="0">
+                <a:solidFill>
+                  <a:schemeClr val="accent5">
+                    <a:lumMod val="50000"/>
+                  </a:schemeClr>
+                </a:solidFill>
+                <a:hlinkClick r:id="rId3"/>
+              </a:rPr>
+              <a:t>C66x </a:t>
+            </a:r>
+            <a:r>
+              <a:rPr lang="en-US" u="sng" dirty="0" smtClean="0">
+                <a:solidFill>
+                  <a:schemeClr val="accent5">
+                    <a:lumMod val="50000"/>
+                  </a:schemeClr>
+                </a:solidFill>
+                <a:hlinkClick r:id="rId3"/>
+              </a:rPr>
+              <a:t>CorePac User’s Guide</a:t>
             </a:r>
             <a:r>
               <a:rPr lang="en-US" u="sng" dirty="0" smtClean="0">
@@ -12779,7 +12795,7 @@
                   </a:schemeClr>
                 </a:solidFill>
               </a:rPr>
-              <a:t>TMS320C66 CorePac User’s Guide.</a:t>
+              <a:t>.</a:t>
             </a:r>
           </a:p>
           <a:p>
@@ -12792,7 +12808,7 @@
             </a:br>
             <a:r>
               <a:rPr lang="en-US" dirty="0" smtClean="0">
-                <a:hlinkClick r:id="rId3"/>
+                <a:hlinkClick r:id="rId4"/>
               </a:rPr>
               <a:t>TI E2E Community</a:t>
             </a:r>
